--- a/DataFlow.pptx
+++ b/DataFlow.pptx
@@ -104,6 +104,11 @@
       </a:defRPr>
     </a:lvl9pPr>
   </p:defaultTextStyle>
+  <p:extLst>
+    <p:ext uri="{EFAFB233-063F-42B5-8137-9DF3F51BA10A}">
+      <p15:sldGuideLst xmlns:p15="http://schemas.microsoft.com/office/powerpoint/2012/main"/>
+    </p:ext>
+  </p:extLst>
 </p:presentation>
 </file>
 
@@ -3394,7 +3399,7 @@
         <p:spPr>
           <a:xfrm>
             <a:off x="2185358" y="1104696"/>
-            <a:ext cx="2881223" cy="1098431"/>
+            <a:ext cx="2069889" cy="1098431"/>
           </a:xfrm>
           <a:prstGeom prst="rightArrow">
             <a:avLst/>
@@ -3454,7 +3459,7 @@
         </p:nvSpPr>
         <p:spPr>
           <a:xfrm>
-            <a:off x="5129579" y="1185601"/>
+            <a:off x="4310033" y="1182387"/>
             <a:ext cx="1659409" cy="914400"/>
           </a:xfrm>
           <a:prstGeom prst="rect">
@@ -3672,7 +3677,7 @@
         </p:nvSpPr>
         <p:spPr>
           <a:xfrm>
-            <a:off x="2770242" y="893316"/>
+            <a:off x="2009821" y="862642"/>
             <a:ext cx="1616148" cy="261610"/>
           </a:xfrm>
           <a:prstGeom prst="rect">
@@ -3707,7 +3712,7 @@
         </p:nvSpPr>
         <p:spPr>
           <a:xfrm>
-            <a:off x="6878130" y="1119528"/>
+            <a:off x="6041366" y="1124252"/>
             <a:ext cx="2881223" cy="1098431"/>
           </a:xfrm>
           <a:prstGeom prst="rightArrow">
@@ -3768,7 +3773,7 @@
         </p:nvSpPr>
         <p:spPr>
           <a:xfrm>
-            <a:off x="9421759" y="1154925"/>
+            <a:off x="8994513" y="1182387"/>
             <a:ext cx="2706982" cy="3238796"/>
           </a:xfrm>
           <a:prstGeom prst="rect">
@@ -4088,41 +4093,6 @@
                 </a:solidFill>
               </a:rPr>
               <a:t> </a:t>
-            </a:r>
-          </a:p>
-        </p:txBody>
-      </p:sp>
-      <p:sp>
-        <p:nvSpPr>
-          <p:cNvPr id="21" name="TextBox 20">
-            <a:extLst>
-              <a:ext uri="{FF2B5EF4-FFF2-40B4-BE49-F238E27FC236}">
-                <a16:creationId xmlns:a16="http://schemas.microsoft.com/office/drawing/2014/main" id="{433A6BD7-CF43-68A8-2D6C-743C05794418}"/>
-              </a:ext>
-            </a:extLst>
-          </p:cNvPr>
-          <p:cNvSpPr txBox="1"/>
-          <p:nvPr/>
-        </p:nvSpPr>
-        <p:spPr>
-          <a:xfrm>
-            <a:off x="7792529" y="3191774"/>
-            <a:ext cx="1723549" cy="369332"/>
-          </a:xfrm>
-          <a:prstGeom prst="rect">
-            <a:avLst/>
-          </a:prstGeom>
-          <a:noFill/>
-        </p:spPr>
-        <p:txBody>
-          <a:bodyPr wrap="none" rtlCol="0">
-            <a:spAutoFit/>
-          </a:bodyPr>
-          <a:lstStyle/>
-          <a:p>
-            <a:r>
-              <a:rPr lang="en-US" dirty="0"/>
-              <a:t>Finish file list -&gt;</a:t>
             </a:r>
           </a:p>
         </p:txBody>

--- a/DataFlow.pptx
+++ b/DataFlow.pptx
@@ -6,6 +6,7 @@
   </p:sldMasterIdLst>
   <p:sldIdLst>
     <p:sldId id="256" r:id="rId2"/>
+    <p:sldId id="257" r:id="rId3"/>
   </p:sldIdLst>
   <p:sldSz cx="12192000" cy="6858000"/>
   <p:notesSz cx="6858000" cy="9144000"/>
@@ -259,7 +260,7 @@
           <a:p>
             <a:fld id="{42E427FA-46C9-48B5-95EF-A007394CC7F1}" type="datetimeFigureOut">
               <a:rPr lang="en-US" smtClean="0"/>
-              <a:t>11/20/2024</a:t>
+              <a:t>11/21/2024</a:t>
             </a:fld>
             <a:endParaRPr lang="en-US"/>
           </a:p>
@@ -457,7 +458,7 @@
           <a:p>
             <a:fld id="{42E427FA-46C9-48B5-95EF-A007394CC7F1}" type="datetimeFigureOut">
               <a:rPr lang="en-US" smtClean="0"/>
-              <a:t>11/20/2024</a:t>
+              <a:t>11/21/2024</a:t>
             </a:fld>
             <a:endParaRPr lang="en-US"/>
           </a:p>
@@ -665,7 +666,7 @@
           <a:p>
             <a:fld id="{42E427FA-46C9-48B5-95EF-A007394CC7F1}" type="datetimeFigureOut">
               <a:rPr lang="en-US" smtClean="0"/>
-              <a:t>11/20/2024</a:t>
+              <a:t>11/21/2024</a:t>
             </a:fld>
             <a:endParaRPr lang="en-US"/>
           </a:p>
@@ -863,7 +864,7 @@
           <a:p>
             <a:fld id="{42E427FA-46C9-48B5-95EF-A007394CC7F1}" type="datetimeFigureOut">
               <a:rPr lang="en-US" smtClean="0"/>
-              <a:t>11/20/2024</a:t>
+              <a:t>11/21/2024</a:t>
             </a:fld>
             <a:endParaRPr lang="en-US"/>
           </a:p>
@@ -1138,7 +1139,7 @@
           <a:p>
             <a:fld id="{42E427FA-46C9-48B5-95EF-A007394CC7F1}" type="datetimeFigureOut">
               <a:rPr lang="en-US" smtClean="0"/>
-              <a:t>11/20/2024</a:t>
+              <a:t>11/21/2024</a:t>
             </a:fld>
             <a:endParaRPr lang="en-US"/>
           </a:p>
@@ -1403,7 +1404,7 @@
           <a:p>
             <a:fld id="{42E427FA-46C9-48B5-95EF-A007394CC7F1}" type="datetimeFigureOut">
               <a:rPr lang="en-US" smtClean="0"/>
-              <a:t>11/20/2024</a:t>
+              <a:t>11/21/2024</a:t>
             </a:fld>
             <a:endParaRPr lang="en-US"/>
           </a:p>
@@ -1815,7 +1816,7 @@
           <a:p>
             <a:fld id="{42E427FA-46C9-48B5-95EF-A007394CC7F1}" type="datetimeFigureOut">
               <a:rPr lang="en-US" smtClean="0"/>
-              <a:t>11/20/2024</a:t>
+              <a:t>11/21/2024</a:t>
             </a:fld>
             <a:endParaRPr lang="en-US"/>
           </a:p>
@@ -1956,7 +1957,7 @@
           <a:p>
             <a:fld id="{42E427FA-46C9-48B5-95EF-A007394CC7F1}" type="datetimeFigureOut">
               <a:rPr lang="en-US" smtClean="0"/>
-              <a:t>11/20/2024</a:t>
+              <a:t>11/21/2024</a:t>
             </a:fld>
             <a:endParaRPr lang="en-US"/>
           </a:p>
@@ -2069,7 +2070,7 @@
           <a:p>
             <a:fld id="{42E427FA-46C9-48B5-95EF-A007394CC7F1}" type="datetimeFigureOut">
               <a:rPr lang="en-US" smtClean="0"/>
-              <a:t>11/20/2024</a:t>
+              <a:t>11/21/2024</a:t>
             </a:fld>
             <a:endParaRPr lang="en-US"/>
           </a:p>
@@ -2380,7 +2381,7 @@
           <a:p>
             <a:fld id="{42E427FA-46C9-48B5-95EF-A007394CC7F1}" type="datetimeFigureOut">
               <a:rPr lang="en-US" smtClean="0"/>
-              <a:t>11/20/2024</a:t>
+              <a:t>11/21/2024</a:t>
             </a:fld>
             <a:endParaRPr lang="en-US"/>
           </a:p>
@@ -2668,7 +2669,7 @@
           <a:p>
             <a:fld id="{42E427FA-46C9-48B5-95EF-A007394CC7F1}" type="datetimeFigureOut">
               <a:rPr lang="en-US" smtClean="0"/>
-              <a:t>11/20/2024</a:t>
+              <a:t>11/21/2024</a:t>
             </a:fld>
             <a:endParaRPr lang="en-US"/>
           </a:p>
@@ -2909,7 +2910,7 @@
           <a:p>
             <a:fld id="{42E427FA-46C9-48B5-95EF-A007394CC7F1}" type="datetimeFigureOut">
               <a:rPr lang="en-US" smtClean="0"/>
-              <a:t>11/20/2024</a:t>
+              <a:t>11/21/2024</a:t>
             </a:fld>
             <a:endParaRPr lang="en-US"/>
           </a:p>
@@ -3340,7 +3341,7 @@
         </p:nvSpPr>
         <p:spPr>
           <a:xfrm>
-            <a:off x="364922" y="1185601"/>
+            <a:off x="335039" y="3222647"/>
             <a:ext cx="1659409" cy="914400"/>
           </a:xfrm>
           <a:prstGeom prst="rect">
@@ -3398,7 +3399,7 @@
         </p:nvSpPr>
         <p:spPr>
           <a:xfrm>
-            <a:off x="2185358" y="1104696"/>
+            <a:off x="2155475" y="3141742"/>
             <a:ext cx="2069889" cy="1098431"/>
           </a:xfrm>
           <a:prstGeom prst="rightArrow">
@@ -3437,10 +3438,18 @@
             <a:r>
               <a:rPr lang="en-US" sz="1200" dirty="0">
                 <a:solidFill>
+                  <a:srgbClr val="FF0000"/>
+                </a:solidFill>
+              </a:rPr>
+              <a:t>Step1</a:t>
+            </a:r>
+            <a:r>
+              <a:rPr lang="en-US" sz="1200" dirty="0">
+                <a:solidFill>
                   <a:schemeClr val="tx1"/>
                 </a:solidFill>
               </a:rPr>
-              <a:t>Step1_ReadInData.Rmd</a:t>
+              <a:t>_ReadInData.Rmd</a:t>
             </a:r>
           </a:p>
         </p:txBody>
@@ -3459,7 +3468,7 @@
         </p:nvSpPr>
         <p:spPr>
           <a:xfrm>
-            <a:off x="4310033" y="1182387"/>
+            <a:off x="4280150" y="3219433"/>
             <a:ext cx="1659409" cy="914400"/>
           </a:xfrm>
           <a:prstGeom prst="rect">
@@ -3519,7 +3528,7 @@
         </p:nvCxnSpPr>
         <p:spPr>
           <a:xfrm flipV="1">
-            <a:off x="6041366" y="862642"/>
+            <a:off x="6011483" y="2899688"/>
             <a:ext cx="411193" cy="322959"/>
           </a:xfrm>
           <a:prstGeom prst="straightConnector1">
@@ -3558,7 +3567,7 @@
         </p:nvSpPr>
         <p:spPr>
           <a:xfrm>
-            <a:off x="6395049" y="476708"/>
+            <a:off x="6365166" y="2513754"/>
             <a:ext cx="1218603" cy="261610"/>
           </a:xfrm>
           <a:prstGeom prst="rect">
@@ -3597,7 +3606,7 @@
         </p:nvSpPr>
         <p:spPr>
           <a:xfrm>
-            <a:off x="6395049" y="663930"/>
+            <a:off x="6365166" y="2700976"/>
             <a:ext cx="1109599" cy="261610"/>
           </a:xfrm>
           <a:prstGeom prst="rect">
@@ -3638,7 +3647,7 @@
         </p:nvCxnSpPr>
         <p:spPr>
           <a:xfrm>
-            <a:off x="3377281" y="1104696"/>
+            <a:off x="3347398" y="3141742"/>
             <a:ext cx="248688" cy="421648"/>
           </a:xfrm>
           <a:prstGeom prst="straightConnector1">
@@ -3677,7 +3686,7 @@
         </p:nvSpPr>
         <p:spPr>
           <a:xfrm>
-            <a:off x="2009821" y="862642"/>
+            <a:off x="1979938" y="2899688"/>
             <a:ext cx="1616148" cy="261610"/>
           </a:xfrm>
           <a:prstGeom prst="rect">
@@ -3712,7 +3721,7 @@
         </p:nvSpPr>
         <p:spPr>
           <a:xfrm>
-            <a:off x="6041366" y="1124252"/>
+            <a:off x="6011483" y="3161298"/>
             <a:ext cx="2881223" cy="1098431"/>
           </a:xfrm>
           <a:prstGeom prst="rightArrow">
@@ -3751,10 +3760,18 @@
             <a:r>
               <a:rPr lang="en-US" sz="1200" dirty="0">
                 <a:solidFill>
+                  <a:srgbClr val="00B0F0"/>
+                </a:solidFill>
+              </a:rPr>
+              <a:t>Step2</a:t>
+            </a:r>
+            <a:r>
+              <a:rPr lang="en-US" sz="1200" dirty="0">
+                <a:solidFill>
                   <a:schemeClr val="tx1"/>
                 </a:solidFill>
               </a:rPr>
-              <a:t>Step2_CreateIntermediateFiles.Rmd</a:t>
+              <a:t>_CreateIntermediateFiles.Rmd</a:t>
             </a:r>
           </a:p>
         </p:txBody>
@@ -3773,7 +3790,7 @@
         </p:nvSpPr>
         <p:spPr>
           <a:xfrm>
-            <a:off x="8994513" y="1182387"/>
+            <a:off x="8970607" y="2013116"/>
             <a:ext cx="2706982" cy="3238796"/>
           </a:xfrm>
           <a:prstGeom prst="rect">
@@ -3806,96 +3823,52 @@
           <a:lstStyle/>
           <a:p>
             <a:r>
+              <a:rPr lang="en-US" sz="1400" b="1" dirty="0">
+                <a:solidFill>
+                  <a:schemeClr val="bg1"/>
+                </a:solidFill>
+              </a:rPr>
+              <a:t>Folder: Data/</a:t>
+            </a:r>
+            <a:r>
+              <a:rPr lang="en-US" sz="1400" b="1" dirty="0" err="1">
+                <a:solidFill>
+                  <a:schemeClr val="bg1"/>
+                </a:solidFill>
+              </a:rPr>
+              <a:t>IntermediateFiles</a:t>
+            </a:r>
+            <a:endParaRPr lang="en-US" sz="1400" b="1" dirty="0">
+              <a:solidFill>
+                <a:schemeClr val="bg1"/>
+              </a:solidFill>
+            </a:endParaRPr>
+          </a:p>
+          <a:p>
+            <a:endParaRPr lang="en-US" sz="1100" b="1" dirty="0">
+              <a:solidFill>
+                <a:schemeClr val="bg1"/>
+              </a:solidFill>
+            </a:endParaRPr>
+          </a:p>
+          <a:p>
+            <a:r>
+              <a:rPr lang="en-US" sz="1100" b="1" u="sng" dirty="0">
+                <a:solidFill>
+                  <a:schemeClr val="bg1"/>
+                </a:solidFill>
+              </a:rPr>
+              <a:t>Long format events</a:t>
+            </a:r>
+          </a:p>
+          <a:p>
+            <a:r>
               <a:rPr lang="en-US" sz="1100" dirty="0">
                 <a:solidFill>
                   <a:schemeClr val="bg1"/>
                 </a:solidFill>
               </a:rPr>
-              <a:t>"</a:t>
-            </a:r>
-            <a:r>
-              <a:rPr lang="en-US" sz="1100" dirty="0" err="1">
-                <a:solidFill>
-                  <a:schemeClr val="bg1"/>
-                </a:solidFill>
-              </a:rPr>
-              <a:t>master_animal_events.rds</a:t>
-            </a:r>
-            <a:r>
-              <a:rPr lang="en-US" sz="1100" dirty="0">
-                <a:solidFill>
-                  <a:schemeClr val="bg1"/>
-                </a:solidFill>
-              </a:rPr>
-              <a:t>" "</a:t>
-            </a:r>
-            <a:r>
-              <a:rPr lang="en-US" sz="1100" dirty="0" err="1">
-                <a:solidFill>
-                  <a:schemeClr val="bg1"/>
-                </a:solidFill>
-              </a:rPr>
-              <a:t>animals.rds</a:t>
-            </a:r>
-            <a:r>
-              <a:rPr lang="en-US" sz="1100" dirty="0">
-                <a:solidFill>
-                  <a:schemeClr val="bg1"/>
-                </a:solidFill>
-              </a:rPr>
-              <a:t>" </a:t>
-            </a:r>
-          </a:p>
-          <a:p>
-            <a:r>
-              <a:rPr lang="en-US" sz="1100" dirty="0">
-                <a:solidFill>
-                  <a:schemeClr val="bg1"/>
-                </a:solidFill>
-              </a:rPr>
-              <a:t>"</a:t>
-            </a:r>
-            <a:r>
-              <a:rPr lang="en-US" sz="1100" dirty="0" err="1">
-                <a:solidFill>
-                  <a:schemeClr val="bg1"/>
-                </a:solidFill>
-              </a:rPr>
-              <a:t>deads.rds</a:t>
-            </a:r>
-            <a:r>
-              <a:rPr lang="en-US" sz="1100" dirty="0">
-                <a:solidFill>
-                  <a:schemeClr val="bg1"/>
-                </a:solidFill>
-              </a:rPr>
-              <a:t>" </a:t>
-            </a:r>
-          </a:p>
-          <a:p>
-            <a:r>
-              <a:rPr lang="en-US" sz="1100" dirty="0">
-                <a:solidFill>
-                  <a:schemeClr val="bg1"/>
-                </a:solidFill>
-              </a:rPr>
-              <a:t>"</a:t>
-            </a:r>
-            <a:r>
-              <a:rPr lang="en-US" sz="1100" dirty="0" err="1">
-                <a:solidFill>
-                  <a:schemeClr val="bg1"/>
-                </a:solidFill>
-              </a:rPr>
-              <a:t>solds.rds</a:t>
-            </a:r>
-            <a:r>
-              <a:rPr lang="en-US" sz="1100" dirty="0">
-                <a:solidFill>
-                  <a:schemeClr val="bg1"/>
-                </a:solidFill>
-              </a:rPr>
-              <a:t>"</a:t>
+              <a:t>"events2.rds" </a:t>
             </a:r>
           </a:p>
           <a:p>
@@ -3907,6 +3880,16 @@
           </a:p>
           <a:p>
             <a:r>
+              <a:rPr lang="en-US" sz="1100" b="1" u="sng" dirty="0">
+                <a:solidFill>
+                  <a:schemeClr val="bg1"/>
+                </a:solidFill>
+              </a:rPr>
+              <a:t>Wide format animal level info</a:t>
+            </a:r>
+          </a:p>
+          <a:p>
+            <a:r>
               <a:rPr lang="en-US" sz="1100" dirty="0">
                 <a:solidFill>
                   <a:schemeClr val="bg1"/>
@@ -3920,7 +3903,7 @@
                   <a:schemeClr val="bg1"/>
                 </a:solidFill>
               </a:rPr>
-              <a:t>master_animal_lactation_events.rds</a:t>
+              <a:t>master_animals.rds</a:t>
             </a:r>
             <a:r>
               <a:rPr lang="en-US" sz="1100" dirty="0">
@@ -3928,7 +3911,7 @@
                   <a:schemeClr val="bg1"/>
                 </a:solidFill>
               </a:rPr>
-              <a:t>“</a:t>
+              <a:t>" </a:t>
             </a:r>
           </a:p>
           <a:p>
@@ -3946,7 +3929,7 @@
                   <a:schemeClr val="bg1"/>
                 </a:solidFill>
               </a:rPr>
-              <a:t>animal_lactations.rds</a:t>
+              <a:t>health_animal_level.rds</a:t>
             </a:r>
             <a:r>
               <a:rPr lang="en-US" sz="1100" dirty="0">
@@ -3954,43 +3937,7 @@
                   <a:schemeClr val="bg1"/>
                 </a:solidFill>
               </a:rPr>
-              <a:t>"        </a:t>
-            </a:r>
-          </a:p>
-          <a:p>
-            <a:r>
-              <a:rPr lang="en-US" sz="1100" dirty="0">
-                <a:solidFill>
-                  <a:schemeClr val="bg1"/>
-                </a:solidFill>
-              </a:rPr>
-              <a:t> "</a:t>
-            </a:r>
-            <a:r>
-              <a:rPr lang="en-US" sz="1100" dirty="0" err="1">
-                <a:solidFill>
-                  <a:schemeClr val="bg1"/>
-                </a:solidFill>
-              </a:rPr>
-              <a:t>fresh.rds</a:t>
-            </a:r>
-            <a:r>
-              <a:rPr lang="en-US" sz="1100" dirty="0">
-                <a:solidFill>
-                  <a:schemeClr val="bg1"/>
-                </a:solidFill>
-              </a:rPr>
-              <a:t>"    </a:t>
-            </a:r>
-          </a:p>
-          <a:p>
-            <a:r>
-              <a:rPr lang="en-US" sz="1100" dirty="0">
-                <a:solidFill>
-                  <a:schemeClr val="bg1"/>
-                </a:solidFill>
-              </a:rPr>
-              <a:t>               </a:t>
+              <a:t>"</a:t>
             </a:r>
           </a:p>
           <a:p>
@@ -4002,22 +3949,48 @@
           </a:p>
           <a:p>
             <a:r>
+              <a:rPr lang="en-US" sz="1100" b="1" u="sng" dirty="0">
+                <a:solidFill>
+                  <a:schemeClr val="bg1"/>
+                </a:solidFill>
+              </a:rPr>
+              <a:t>Wide format lactation level info</a:t>
+            </a:r>
+          </a:p>
+          <a:p>
+            <a:r>
               <a:rPr lang="en-US" sz="1100" dirty="0">
                 <a:solidFill>
                   <a:schemeClr val="bg1"/>
                 </a:solidFill>
               </a:rPr>
-              <a:t>"animals2.rds"                      </a:t>
-            </a:r>
-          </a:p>
-          <a:p>
+              <a:t>"</a:t>
+            </a:r>
+            <a:r>
+              <a:rPr lang="en-US" sz="1100" dirty="0" err="1">
+                <a:solidFill>
+                  <a:schemeClr val="bg1"/>
+                </a:solidFill>
+              </a:rPr>
+              <a:t>master_animal_lactations.rds</a:t>
+            </a:r>
             <a:r>
               <a:rPr lang="en-US" sz="1100" dirty="0">
                 <a:solidFill>
                   <a:schemeClr val="bg1"/>
                 </a:solidFill>
               </a:rPr>
-              <a:t> "</a:t>
+              <a:t>"</a:t>
+            </a:r>
+          </a:p>
+          <a:p>
+            <a:r>
+              <a:rPr lang="en-US" sz="1100" dirty="0">
+                <a:solidFill>
+                  <a:schemeClr val="bg1"/>
+                </a:solidFill>
+              </a:rPr>
+              <a:t>"</a:t>
             </a:r>
             <a:r>
               <a:rPr lang="en-US" sz="1100" dirty="0" err="1">
@@ -4025,7 +3998,7 @@
                   <a:schemeClr val="bg1"/>
                 </a:solidFill>
               </a:rPr>
-              <a:t>custom_animal_events.rds</a:t>
+              <a:t>health_lactation_level.rds</a:t>
             </a:r>
             <a:r>
               <a:rPr lang="en-US" sz="1100" dirty="0">
@@ -4033,7 +4006,7 @@
                   <a:schemeClr val="bg1"/>
                 </a:solidFill>
               </a:rPr>
-              <a:t>"</a:t>
+              <a:t>"  </a:t>
             </a:r>
           </a:p>
           <a:p>
@@ -4045,6 +4018,16 @@
           </a:p>
           <a:p>
             <a:r>
+              <a:rPr lang="en-US" sz="1100" b="1" u="sng" dirty="0">
+                <a:solidFill>
+                  <a:schemeClr val="bg1"/>
+                </a:solidFill>
+              </a:rPr>
+              <a:t>Custom files</a:t>
+            </a:r>
+          </a:p>
+          <a:p>
+            <a:r>
               <a:rPr lang="en-US" sz="1100" dirty="0">
                 <a:solidFill>
                   <a:schemeClr val="bg1"/>
@@ -4058,7 +4041,7 @@
                   <a:schemeClr val="bg1"/>
                 </a:solidFill>
               </a:rPr>
-              <a:t>health_animal.rds</a:t>
+              <a:t>custom_animal_events.rds</a:t>
             </a:r>
             <a:r>
               <a:rPr lang="en-US" sz="1100" dirty="0">
@@ -4066,33 +4049,62 @@
                   <a:schemeClr val="bg1"/>
                 </a:solidFill>
               </a:rPr>
-              <a:t>"                  "</a:t>
-            </a:r>
-            <a:r>
-              <a:rPr lang="en-US" sz="1100" dirty="0" err="1">
-                <a:solidFill>
-                  <a:schemeClr val="bg1"/>
-                </a:solidFill>
-              </a:rPr>
-              <a:t>health_animal_lactation.rds</a:t>
-            </a:r>
-            <a:r>
-              <a:rPr lang="en-US" sz="1100" dirty="0">
-                <a:solidFill>
-                  <a:schemeClr val="bg1"/>
-                </a:solidFill>
-              </a:rPr>
-              <a:t>"       </a:t>
-            </a:r>
-          </a:p>
-          <a:p>
-            <a:r>
-              <a:rPr lang="en-US" sz="1100" dirty="0">
-                <a:solidFill>
-                  <a:schemeClr val="bg1"/>
-                </a:solidFill>
-              </a:rPr>
-              <a:t> </a:t>
+              <a:t>"</a:t>
+            </a:r>
+          </a:p>
+        </p:txBody>
+      </p:sp>
+      <p:sp>
+        <p:nvSpPr>
+          <p:cNvPr id="3" name="TextBox 2">
+            <a:extLst>
+              <a:ext uri="{FF2B5EF4-FFF2-40B4-BE49-F238E27FC236}">
+                <a16:creationId xmlns:a16="http://schemas.microsoft.com/office/drawing/2014/main" id="{6F644E85-9C5C-DB6D-1221-89132EAEFF76}"/>
+              </a:ext>
+            </a:extLst>
+          </p:cNvPr>
+          <p:cNvSpPr txBox="1"/>
+          <p:nvPr/>
+        </p:nvSpPr>
+        <p:spPr>
+          <a:xfrm>
+            <a:off x="2674722" y="627530"/>
+            <a:ext cx="5259004" cy="523220"/>
+          </a:xfrm>
+          <a:prstGeom prst="rect">
+            <a:avLst/>
+          </a:prstGeom>
+          <a:noFill/>
+        </p:spPr>
+        <p:txBody>
+          <a:bodyPr wrap="none" rtlCol="0">
+            <a:spAutoFit/>
+          </a:bodyPr>
+          <a:lstStyle/>
+          <a:p>
+            <a:r>
+              <a:rPr lang="en-US" sz="2800" dirty="0"/>
+              <a:t>Master Processing – </a:t>
+            </a:r>
+            <a:r>
+              <a:rPr lang="en-US" sz="2800" dirty="0">
+                <a:solidFill>
+                  <a:srgbClr val="FF0000"/>
+                </a:solidFill>
+              </a:rPr>
+              <a:t>step1</a:t>
+            </a:r>
+            <a:r>
+              <a:rPr lang="en-US" sz="2800" dirty="0"/>
+              <a:t>, </a:t>
+            </a:r>
+            <a:r>
+              <a:rPr lang="en-US" sz="2800" dirty="0">
+                <a:solidFill>
+                  <a:srgbClr val="00B0F0"/>
+                </a:solidFill>
+              </a:rPr>
+              <a:t>step2</a:t>
             </a:r>
           </a:p>
         </p:txBody>
@@ -4101,6 +4113,704 @@
     <p:extLst>
       <p:ext uri="{BB962C8B-B14F-4D97-AF65-F5344CB8AC3E}">
         <p14:creationId xmlns:p14="http://schemas.microsoft.com/office/powerpoint/2010/main" val="2449258483"/>
+      </p:ext>
+    </p:extLst>
+  </p:cSld>
+  <p:clrMapOvr>
+    <a:masterClrMapping/>
+  </p:clrMapOvr>
+</p:sld>
+</file>
+
+<file path=ppt/slides/slide2.xml><?xml version="1.0" encoding="utf-8"?>
+<p:sld xmlns:a="http://schemas.openxmlformats.org/drawingml/2006/main" xmlns:r="http://schemas.openxmlformats.org/officeDocument/2006/relationships" xmlns:p="http://schemas.openxmlformats.org/presentationml/2006/main">
+  <p:cSld>
+    <p:spTree>
+      <p:nvGrpSpPr>
+        <p:cNvPr id="1" name="">
+          <a:extLst>
+            <a:ext uri="{FF2B5EF4-FFF2-40B4-BE49-F238E27FC236}">
+              <a16:creationId xmlns:a16="http://schemas.microsoft.com/office/drawing/2014/main" id="{3105C9BF-705F-AC28-CF95-144A148CD3A1}"/>
+            </a:ext>
+          </a:extLst>
+        </p:cNvPr>
+        <p:cNvGrpSpPr/>
+        <p:nvPr/>
+      </p:nvGrpSpPr>
+      <p:grpSpPr>
+        <a:xfrm>
+          <a:off x="0" y="0"/>
+          <a:ext cx="0" cy="0"/>
+          <a:chOff x="0" y="0"/>
+          <a:chExt cx="0" cy="0"/>
+        </a:xfrm>
+      </p:grpSpPr>
+      <p:sp>
+        <p:nvSpPr>
+          <p:cNvPr id="19" name="Rectangle 18">
+            <a:extLst>
+              <a:ext uri="{FF2B5EF4-FFF2-40B4-BE49-F238E27FC236}">
+                <a16:creationId xmlns:a16="http://schemas.microsoft.com/office/drawing/2014/main" id="{9394C0B6-7C25-249E-51BD-71758E8F0353}"/>
+              </a:ext>
+            </a:extLst>
+          </p:cNvPr>
+          <p:cNvSpPr/>
+          <p:nvPr/>
+        </p:nvSpPr>
+        <p:spPr>
+          <a:xfrm>
+            <a:off x="454137" y="1780988"/>
+            <a:ext cx="2706982" cy="3715959"/>
+          </a:xfrm>
+          <a:prstGeom prst="rect">
+            <a:avLst/>
+          </a:prstGeom>
+          <a:solidFill>
+            <a:schemeClr val="bg2">
+              <a:lumMod val="50000"/>
+            </a:schemeClr>
+          </a:solidFill>
+        </p:spPr>
+        <p:style>
+          <a:lnRef idx="2">
+            <a:schemeClr val="accent1">
+              <a:shade val="15000"/>
+            </a:schemeClr>
+          </a:lnRef>
+          <a:fillRef idx="1">
+            <a:schemeClr val="accent1"/>
+          </a:fillRef>
+          <a:effectRef idx="0">
+            <a:schemeClr val="accent1"/>
+          </a:effectRef>
+          <a:fontRef idx="minor">
+            <a:schemeClr val="lt1"/>
+          </a:fontRef>
+        </p:style>
+        <p:txBody>
+          <a:bodyPr rtlCol="0" anchor="t"/>
+          <a:lstStyle/>
+          <a:p>
+            <a:r>
+              <a:rPr lang="en-US" sz="1400" b="1" dirty="0">
+                <a:solidFill>
+                  <a:schemeClr val="bg1"/>
+                </a:solidFill>
+              </a:rPr>
+              <a:t>Folder: Data/</a:t>
+            </a:r>
+            <a:r>
+              <a:rPr lang="en-US" sz="1400" b="1" dirty="0" err="1">
+                <a:solidFill>
+                  <a:schemeClr val="bg1"/>
+                </a:solidFill>
+              </a:rPr>
+              <a:t>IntermediateFiles</a:t>
+            </a:r>
+            <a:endParaRPr lang="en-US" sz="1400" b="1" dirty="0">
+              <a:solidFill>
+                <a:schemeClr val="bg1"/>
+              </a:solidFill>
+            </a:endParaRPr>
+          </a:p>
+          <a:p>
+            <a:pPr algn="ctr"/>
+            <a:endParaRPr lang="en-US" sz="1100" b="1" dirty="0">
+              <a:solidFill>
+                <a:schemeClr val="bg1"/>
+              </a:solidFill>
+            </a:endParaRPr>
+          </a:p>
+          <a:p>
+            <a:r>
+              <a:rPr lang="en-US" sz="1100" b="1" u="sng" dirty="0">
+                <a:solidFill>
+                  <a:schemeClr val="bg1"/>
+                </a:solidFill>
+              </a:rPr>
+              <a:t>Long format events</a:t>
+            </a:r>
+          </a:p>
+          <a:p>
+            <a:r>
+              <a:rPr lang="en-US" sz="1100" dirty="0">
+                <a:solidFill>
+                  <a:schemeClr val="bg1"/>
+                </a:solidFill>
+              </a:rPr>
+              <a:t>"events2.rds" </a:t>
+            </a:r>
+          </a:p>
+          <a:p>
+            <a:endParaRPr lang="en-US" sz="1100" dirty="0">
+              <a:solidFill>
+                <a:schemeClr val="bg1"/>
+              </a:solidFill>
+            </a:endParaRPr>
+          </a:p>
+          <a:p>
+            <a:endParaRPr lang="en-US" sz="1100" b="1" u="sng" dirty="0">
+              <a:solidFill>
+                <a:schemeClr val="bg1"/>
+              </a:solidFill>
+            </a:endParaRPr>
+          </a:p>
+          <a:p>
+            <a:r>
+              <a:rPr lang="en-US" sz="1100" b="1" u="sng" dirty="0">
+                <a:solidFill>
+                  <a:schemeClr val="bg1"/>
+                </a:solidFill>
+              </a:rPr>
+              <a:t>Wide format animal level info</a:t>
+            </a:r>
+          </a:p>
+          <a:p>
+            <a:r>
+              <a:rPr lang="en-US" sz="1100" dirty="0">
+                <a:solidFill>
+                  <a:schemeClr val="bg1"/>
+                </a:solidFill>
+              </a:rPr>
+              <a:t>"</a:t>
+            </a:r>
+            <a:r>
+              <a:rPr lang="en-US" sz="1100" dirty="0" err="1">
+                <a:solidFill>
+                  <a:schemeClr val="bg1"/>
+                </a:solidFill>
+              </a:rPr>
+              <a:t>master_animals.rds</a:t>
+            </a:r>
+            <a:r>
+              <a:rPr lang="en-US" sz="1100" dirty="0">
+                <a:solidFill>
+                  <a:schemeClr val="bg1"/>
+                </a:solidFill>
+              </a:rPr>
+              <a:t>" </a:t>
+            </a:r>
+          </a:p>
+          <a:p>
+            <a:r>
+              <a:rPr lang="en-US" sz="1100" dirty="0">
+                <a:solidFill>
+                  <a:schemeClr val="bg1"/>
+                </a:solidFill>
+              </a:rPr>
+              <a:t>"</a:t>
+            </a:r>
+            <a:r>
+              <a:rPr lang="en-US" sz="1100" dirty="0" err="1">
+                <a:solidFill>
+                  <a:schemeClr val="bg1"/>
+                </a:solidFill>
+              </a:rPr>
+              <a:t>health_animal_level.rds</a:t>
+            </a:r>
+            <a:r>
+              <a:rPr lang="en-US" sz="1100" dirty="0">
+                <a:solidFill>
+                  <a:schemeClr val="bg1"/>
+                </a:solidFill>
+              </a:rPr>
+              <a:t>"</a:t>
+            </a:r>
+          </a:p>
+          <a:p>
+            <a:endParaRPr lang="en-US" sz="1100" dirty="0">
+              <a:solidFill>
+                <a:schemeClr val="bg1"/>
+              </a:solidFill>
+            </a:endParaRPr>
+          </a:p>
+          <a:p>
+            <a:endParaRPr lang="en-US" sz="1100" b="1" u="sng" dirty="0">
+              <a:solidFill>
+                <a:schemeClr val="bg1"/>
+              </a:solidFill>
+            </a:endParaRPr>
+          </a:p>
+          <a:p>
+            <a:r>
+              <a:rPr lang="en-US" sz="1100" b="1" u="sng" dirty="0">
+                <a:solidFill>
+                  <a:schemeClr val="bg1"/>
+                </a:solidFill>
+              </a:rPr>
+              <a:t>Wide format lactation level info</a:t>
+            </a:r>
+          </a:p>
+          <a:p>
+            <a:r>
+              <a:rPr lang="en-US" sz="1100" dirty="0">
+                <a:solidFill>
+                  <a:schemeClr val="bg1"/>
+                </a:solidFill>
+              </a:rPr>
+              <a:t>"</a:t>
+            </a:r>
+            <a:r>
+              <a:rPr lang="en-US" sz="1100" dirty="0" err="1">
+                <a:solidFill>
+                  <a:schemeClr val="bg1"/>
+                </a:solidFill>
+              </a:rPr>
+              <a:t>master_animal_lactations.rds</a:t>
+            </a:r>
+            <a:r>
+              <a:rPr lang="en-US" sz="1100" dirty="0">
+                <a:solidFill>
+                  <a:schemeClr val="bg1"/>
+                </a:solidFill>
+              </a:rPr>
+              <a:t>"</a:t>
+            </a:r>
+          </a:p>
+          <a:p>
+            <a:r>
+              <a:rPr lang="en-US" sz="1100" dirty="0">
+                <a:solidFill>
+                  <a:schemeClr val="bg1"/>
+                </a:solidFill>
+              </a:rPr>
+              <a:t>"</a:t>
+            </a:r>
+            <a:r>
+              <a:rPr lang="en-US" sz="1100" dirty="0" err="1">
+                <a:solidFill>
+                  <a:schemeClr val="bg1"/>
+                </a:solidFill>
+              </a:rPr>
+              <a:t>health_lactation_level.rds</a:t>
+            </a:r>
+            <a:r>
+              <a:rPr lang="en-US" sz="1100" dirty="0">
+                <a:solidFill>
+                  <a:schemeClr val="bg1"/>
+                </a:solidFill>
+              </a:rPr>
+              <a:t>"  </a:t>
+            </a:r>
+          </a:p>
+          <a:p>
+            <a:endParaRPr lang="en-US" sz="1100" dirty="0">
+              <a:solidFill>
+                <a:schemeClr val="bg1"/>
+              </a:solidFill>
+            </a:endParaRPr>
+          </a:p>
+          <a:p>
+            <a:endParaRPr lang="en-US" sz="1100" b="1" u="sng" dirty="0">
+              <a:solidFill>
+                <a:schemeClr val="bg1"/>
+              </a:solidFill>
+            </a:endParaRPr>
+          </a:p>
+          <a:p>
+            <a:r>
+              <a:rPr lang="en-US" sz="1100" b="1" u="sng" dirty="0">
+                <a:solidFill>
+                  <a:schemeClr val="bg1"/>
+                </a:solidFill>
+              </a:rPr>
+              <a:t>Custom files</a:t>
+            </a:r>
+          </a:p>
+          <a:p>
+            <a:r>
+              <a:rPr lang="en-US" sz="1100" dirty="0">
+                <a:solidFill>
+                  <a:schemeClr val="bg1"/>
+                </a:solidFill>
+              </a:rPr>
+              <a:t>"</a:t>
+            </a:r>
+            <a:r>
+              <a:rPr lang="en-US" sz="1100" dirty="0" err="1">
+                <a:solidFill>
+                  <a:schemeClr val="bg1"/>
+                </a:solidFill>
+              </a:rPr>
+              <a:t>custom_animal_events.rds</a:t>
+            </a:r>
+            <a:r>
+              <a:rPr lang="en-US" sz="1100" dirty="0">
+                <a:solidFill>
+                  <a:schemeClr val="bg1"/>
+                </a:solidFill>
+              </a:rPr>
+              <a:t>"</a:t>
+            </a:r>
+          </a:p>
+        </p:txBody>
+      </p:sp>
+      <p:sp>
+        <p:nvSpPr>
+          <p:cNvPr id="2" name="TextBox 1">
+            <a:extLst>
+              <a:ext uri="{FF2B5EF4-FFF2-40B4-BE49-F238E27FC236}">
+                <a16:creationId xmlns:a16="http://schemas.microsoft.com/office/drawing/2014/main" id="{080022E6-34E0-F264-ABEC-5C09E5987DA6}"/>
+              </a:ext>
+            </a:extLst>
+          </p:cNvPr>
+          <p:cNvSpPr txBox="1"/>
+          <p:nvPr/>
+        </p:nvSpPr>
+        <p:spPr>
+          <a:xfrm>
+            <a:off x="3099051" y="490072"/>
+            <a:ext cx="6645281" cy="523220"/>
+          </a:xfrm>
+          <a:prstGeom prst="rect">
+            <a:avLst/>
+          </a:prstGeom>
+          <a:noFill/>
+        </p:spPr>
+        <p:txBody>
+          <a:bodyPr wrap="none" rtlCol="0">
+            <a:spAutoFit/>
+          </a:bodyPr>
+          <a:lstStyle/>
+          <a:p>
+            <a:r>
+              <a:rPr lang="en-US" sz="2800" dirty="0"/>
+              <a:t>Master Processing – </a:t>
+            </a:r>
+            <a:r>
+              <a:rPr lang="en-US" sz="2800" dirty="0">
+                <a:solidFill>
+                  <a:srgbClr val="92D050"/>
+                </a:solidFill>
+              </a:rPr>
+              <a:t>Disease Descriptions</a:t>
+            </a:r>
+          </a:p>
+        </p:txBody>
+      </p:sp>
+      <p:sp>
+        <p:nvSpPr>
+          <p:cNvPr id="3" name="Arrow: Right 2">
+            <a:extLst>
+              <a:ext uri="{FF2B5EF4-FFF2-40B4-BE49-F238E27FC236}">
+                <a16:creationId xmlns:a16="http://schemas.microsoft.com/office/drawing/2014/main" id="{AA1ADC70-4262-407A-2C81-9450989A9D3B}"/>
+              </a:ext>
+            </a:extLst>
+          </p:cNvPr>
+          <p:cNvSpPr/>
+          <p:nvPr/>
+        </p:nvSpPr>
+        <p:spPr>
+          <a:xfrm>
+            <a:off x="3460377" y="1698950"/>
+            <a:ext cx="3687482" cy="933055"/>
+          </a:xfrm>
+          <a:prstGeom prst="rightArrow">
+            <a:avLst>
+              <a:gd name="adj1" fmla="val 50000"/>
+              <a:gd name="adj2" fmla="val 33987"/>
+            </a:avLst>
+          </a:prstGeom>
+          <a:solidFill>
+            <a:schemeClr val="bg2">
+              <a:lumMod val="90000"/>
+            </a:schemeClr>
+          </a:solidFill>
+          <a:ln>
+            <a:noFill/>
+          </a:ln>
+        </p:spPr>
+        <p:style>
+          <a:lnRef idx="2">
+            <a:schemeClr val="accent1">
+              <a:shade val="15000"/>
+            </a:schemeClr>
+          </a:lnRef>
+          <a:fillRef idx="1">
+            <a:schemeClr val="accent1"/>
+          </a:fillRef>
+          <a:effectRef idx="0">
+            <a:schemeClr val="accent1"/>
+          </a:effectRef>
+          <a:fontRef idx="minor">
+            <a:schemeClr val="lt1"/>
+          </a:fontRef>
+        </p:style>
+        <p:txBody>
+          <a:bodyPr rtlCol="0" anchor="ctr"/>
+          <a:lstStyle/>
+          <a:p>
+            <a:pPr algn="ctr"/>
+            <a:r>
+              <a:rPr lang="en-US" dirty="0"/>
+              <a:t>Cohort Disease </a:t>
+            </a:r>
+            <a:r>
+              <a:rPr lang="en-US" dirty="0">
+                <a:solidFill>
+                  <a:srgbClr val="92D050"/>
+                </a:solidFill>
+              </a:rPr>
+              <a:t>Incidence</a:t>
+            </a:r>
+          </a:p>
+        </p:txBody>
+      </p:sp>
+      <p:sp>
+        <p:nvSpPr>
+          <p:cNvPr id="7" name="Arrow: Right 6">
+            <a:extLst>
+              <a:ext uri="{FF2B5EF4-FFF2-40B4-BE49-F238E27FC236}">
+                <a16:creationId xmlns:a16="http://schemas.microsoft.com/office/drawing/2014/main" id="{A06FB550-D9B5-C3B6-7244-FF0F94CC8E0B}"/>
+              </a:ext>
+            </a:extLst>
+          </p:cNvPr>
+          <p:cNvSpPr/>
+          <p:nvPr/>
+        </p:nvSpPr>
+        <p:spPr>
+          <a:xfrm>
+            <a:off x="3460377" y="2742836"/>
+            <a:ext cx="3687482" cy="917483"/>
+          </a:xfrm>
+          <a:prstGeom prst="rightArrow">
+            <a:avLst>
+              <a:gd name="adj1" fmla="val 50000"/>
+              <a:gd name="adj2" fmla="val 32706"/>
+            </a:avLst>
+          </a:prstGeom>
+          <a:solidFill>
+            <a:schemeClr val="bg2">
+              <a:lumMod val="90000"/>
+            </a:schemeClr>
+          </a:solidFill>
+          <a:ln>
+            <a:noFill/>
+          </a:ln>
+        </p:spPr>
+        <p:style>
+          <a:lnRef idx="2">
+            <a:schemeClr val="accent1">
+              <a:shade val="15000"/>
+            </a:schemeClr>
+          </a:lnRef>
+          <a:fillRef idx="1">
+            <a:schemeClr val="accent1"/>
+          </a:fillRef>
+          <a:effectRef idx="0">
+            <a:schemeClr val="accent1"/>
+          </a:effectRef>
+          <a:fontRef idx="minor">
+            <a:schemeClr val="lt1"/>
+          </a:fontRef>
+        </p:style>
+        <p:txBody>
+          <a:bodyPr rtlCol="0" anchor="ctr"/>
+          <a:lstStyle/>
+          <a:p>
+            <a:pPr algn="ctr"/>
+            <a:r>
+              <a:rPr lang="en-US" dirty="0">
+                <a:solidFill>
+                  <a:srgbClr val="92D050"/>
+                </a:solidFill>
+              </a:rPr>
+              <a:t>Time</a:t>
+            </a:r>
+            <a:r>
+              <a:rPr lang="en-US" dirty="0"/>
+              <a:t> to Disease</a:t>
+            </a:r>
+            <a:endParaRPr lang="en-US" sz="1200" dirty="0"/>
+          </a:p>
+          <a:p>
+            <a:pPr algn="ctr"/>
+            <a:r>
+              <a:rPr lang="en-US" sz="1200" dirty="0"/>
+              <a:t> (1</a:t>
+            </a:r>
+            <a:r>
+              <a:rPr lang="en-US" sz="1200" baseline="30000" dirty="0"/>
+              <a:t>st</a:t>
+            </a:r>
+            <a:r>
+              <a:rPr lang="en-US" sz="1200" dirty="0"/>
+              <a:t> Treat)</a:t>
+            </a:r>
+          </a:p>
+        </p:txBody>
+      </p:sp>
+      <p:sp>
+        <p:nvSpPr>
+          <p:cNvPr id="11" name="Arrow: Right 10">
+            <a:extLst>
+              <a:ext uri="{FF2B5EF4-FFF2-40B4-BE49-F238E27FC236}">
+                <a16:creationId xmlns:a16="http://schemas.microsoft.com/office/drawing/2014/main" id="{9FAAF438-1196-FF72-D440-96D6194D4ABE}"/>
+              </a:ext>
+            </a:extLst>
+          </p:cNvPr>
+          <p:cNvSpPr/>
+          <p:nvPr/>
+        </p:nvSpPr>
+        <p:spPr>
+          <a:xfrm>
+            <a:off x="3460377" y="3771151"/>
+            <a:ext cx="3687482" cy="885698"/>
+          </a:xfrm>
+          <a:prstGeom prst="rightArrow">
+            <a:avLst>
+              <a:gd name="adj1" fmla="val 50000"/>
+              <a:gd name="adj2" fmla="val 35155"/>
+            </a:avLst>
+          </a:prstGeom>
+          <a:solidFill>
+            <a:schemeClr val="bg2">
+              <a:lumMod val="90000"/>
+            </a:schemeClr>
+          </a:solidFill>
+          <a:ln>
+            <a:noFill/>
+          </a:ln>
+        </p:spPr>
+        <p:style>
+          <a:lnRef idx="2">
+            <a:schemeClr val="accent1">
+              <a:shade val="15000"/>
+            </a:schemeClr>
+          </a:lnRef>
+          <a:fillRef idx="1">
+            <a:schemeClr val="accent1"/>
+          </a:fillRef>
+          <a:effectRef idx="0">
+            <a:schemeClr val="accent1"/>
+          </a:effectRef>
+          <a:fontRef idx="minor">
+            <a:schemeClr val="lt1"/>
+          </a:fontRef>
+        </p:style>
+        <p:txBody>
+          <a:bodyPr rtlCol="0" anchor="ctr"/>
+          <a:lstStyle/>
+          <a:p>
+            <a:pPr algn="ctr"/>
+            <a:r>
+              <a:rPr lang="en-US" dirty="0"/>
+              <a:t>Treatment </a:t>
+            </a:r>
+            <a:r>
+              <a:rPr lang="en-US" dirty="0">
+                <a:solidFill>
+                  <a:srgbClr val="92D050"/>
+                </a:solidFill>
+              </a:rPr>
+              <a:t>Outcome</a:t>
+            </a:r>
+          </a:p>
+          <a:p>
+            <a:pPr algn="ctr"/>
+            <a:r>
+              <a:rPr lang="en-US" sz="1200" dirty="0"/>
+              <a:t> (1</a:t>
+            </a:r>
+            <a:r>
+              <a:rPr lang="en-US" sz="1200" baseline="30000" dirty="0"/>
+              <a:t>st</a:t>
+            </a:r>
+            <a:r>
+              <a:rPr lang="en-US" sz="1200" dirty="0"/>
+              <a:t>, 2</a:t>
+            </a:r>
+            <a:r>
+              <a:rPr lang="en-US" sz="1200" baseline="30000" dirty="0"/>
+              <a:t>nd</a:t>
+            </a:r>
+            <a:r>
+              <a:rPr lang="en-US" sz="1200" dirty="0"/>
+              <a:t>, Final)</a:t>
+            </a:r>
+          </a:p>
+        </p:txBody>
+      </p:sp>
+      <p:sp>
+        <p:nvSpPr>
+          <p:cNvPr id="12" name="Arrow: Right 11">
+            <a:extLst>
+              <a:ext uri="{FF2B5EF4-FFF2-40B4-BE49-F238E27FC236}">
+                <a16:creationId xmlns:a16="http://schemas.microsoft.com/office/drawing/2014/main" id="{365BD7B3-94EF-00F0-FA78-C325C38DA7EB}"/>
+              </a:ext>
+            </a:extLst>
+          </p:cNvPr>
+          <p:cNvSpPr/>
+          <p:nvPr/>
+        </p:nvSpPr>
+        <p:spPr>
+          <a:xfrm>
+            <a:off x="3460377" y="4717243"/>
+            <a:ext cx="3687482" cy="984310"/>
+          </a:xfrm>
+          <a:prstGeom prst="rightArrow">
+            <a:avLst>
+              <a:gd name="adj1" fmla="val 50000"/>
+              <a:gd name="adj2" fmla="val 29963"/>
+            </a:avLst>
+          </a:prstGeom>
+          <a:solidFill>
+            <a:schemeClr val="bg2">
+              <a:lumMod val="90000"/>
+            </a:schemeClr>
+          </a:solidFill>
+          <a:ln>
+            <a:noFill/>
+          </a:ln>
+        </p:spPr>
+        <p:style>
+          <a:lnRef idx="2">
+            <a:schemeClr val="accent1">
+              <a:shade val="15000"/>
+            </a:schemeClr>
+          </a:lnRef>
+          <a:fillRef idx="1">
+            <a:schemeClr val="accent1"/>
+          </a:fillRef>
+          <a:effectRef idx="0">
+            <a:schemeClr val="accent1"/>
+          </a:effectRef>
+          <a:fontRef idx="minor">
+            <a:schemeClr val="lt1"/>
+          </a:fontRef>
+        </p:style>
+        <p:txBody>
+          <a:bodyPr rtlCol="0" anchor="ctr"/>
+          <a:lstStyle/>
+          <a:p>
+            <a:pPr algn="ctr"/>
+            <a:r>
+              <a:rPr lang="en-US" dirty="0">
+                <a:solidFill>
+                  <a:srgbClr val="92D050"/>
+                </a:solidFill>
+              </a:rPr>
+              <a:t>Performance</a:t>
+            </a:r>
+            <a:r>
+              <a:rPr lang="en-US" dirty="0"/>
+              <a:t> and Disease </a:t>
+            </a:r>
+          </a:p>
+          <a:p>
+            <a:pPr algn="ctr"/>
+            <a:r>
+              <a:rPr lang="en-US" sz="1200" dirty="0"/>
+              <a:t>(gain, milk, repro)</a:t>
+            </a:r>
+            <a:endParaRPr lang="en-US" dirty="0"/>
+          </a:p>
+        </p:txBody>
+      </p:sp>
+    </p:spTree>
+    <p:extLst>
+      <p:ext uri="{BB962C8B-B14F-4D97-AF65-F5344CB8AC3E}">
+        <p14:creationId xmlns:p14="http://schemas.microsoft.com/office/powerpoint/2010/main" val="1519136000"/>
       </p:ext>
     </p:extLst>
   </p:cSld>
